--- a/Calculator/Info/Calculator_jk.pptx
+++ b/Calculator/Info/Calculator_jk.pptx
@@ -14,7 +14,7 @@
     <p:sldId id="261" r:id="rId5"/>
     <p:sldId id="263" r:id="rId6"/>
     <p:sldId id="262" r:id="rId7"/>
-    <p:sldId id="260" r:id="rId8"/>
+    <p:sldId id="264" r:id="rId8"/>
   </p:sldIdLst>
   <p:sldSz cx="9144000" cy="6858000" type="screen4x3"/>
   <p:notesSz cx="6858000" cy="9144000"/>
@@ -5616,9 +5616,319 @@
             </a:r>
             <a:r>
               <a:rPr lang="ko-KR" altLang="en-US" dirty="0" smtClean="0"/>
-              <a:t>코드 분석</a:t>
+              <a:t>코드 </a:t>
+            </a:r>
+            <a:r>
+              <a:rPr lang="ko-KR" altLang="en-US" dirty="0" smtClean="0"/>
+              <a:t>분석</a:t>
             </a:r>
             <a:endParaRPr lang="ko-KR" altLang="en-US" dirty="0"/>
+          </a:p>
+        </p:txBody>
+      </p:sp>
+      <p:sp>
+        <p:nvSpPr>
+          <p:cNvPr id="2" name="TextBox 1"/>
+          <p:cNvSpPr txBox="1"/>
+          <p:nvPr/>
+        </p:nvSpPr>
+        <p:spPr>
+          <a:xfrm>
+            <a:off x="107504" y="1916832"/>
+            <a:ext cx="9073008" cy="4247317"/>
+          </a:xfrm>
+          <a:prstGeom prst="rect">
+            <a:avLst/>
+          </a:prstGeom>
+          <a:noFill/>
+        </p:spPr>
+        <p:txBody>
+          <a:bodyPr wrap="square" rtlCol="0">
+            <a:spAutoFit/>
+          </a:bodyPr>
+          <a:lstStyle/>
+          <a:p>
+            <a:r>
+              <a:rPr lang="en-US" altLang="ko-KR" dirty="0"/>
+              <a:t>Search Keyword "evaluate math expression in c</a:t>
+            </a:r>
+            <a:r>
+              <a:rPr lang="en-US" altLang="ko-KR" dirty="0" smtClean="0"/>
+              <a:t>#“</a:t>
+            </a:r>
+          </a:p>
+          <a:p>
+            <a:r>
+              <a:rPr lang="en-US" altLang="ko-KR" dirty="0"/>
+              <a:t> -&gt; </a:t>
+            </a:r>
+            <a:r>
+              <a:rPr lang="en-US" altLang="ko-KR" dirty="0">
+                <a:hlinkClick r:id="rId2"/>
+              </a:rPr>
+              <a:t>http://</a:t>
+            </a:r>
+            <a:r>
+              <a:rPr lang="en-US" altLang="ko-KR" dirty="0" smtClean="0">
+                <a:hlinkClick r:id="rId2"/>
+              </a:rPr>
+              <a:t>stackoverflow.com/questions/355062/is-there-a-string-math-evaluator-in-net</a:t>
+            </a:r>
+            <a:endParaRPr lang="en-US" altLang="ko-KR" dirty="0" smtClean="0"/>
+          </a:p>
+          <a:p>
+            <a:endParaRPr lang="en-US" altLang="ko-KR" dirty="0"/>
+          </a:p>
+          <a:p>
+            <a:r>
+              <a:rPr lang="en-US" altLang="ko-KR" dirty="0"/>
+              <a:t>*Ways evaluating expression</a:t>
+            </a:r>
+          </a:p>
+          <a:p>
+            <a:endParaRPr lang="ko-KR" altLang="en-US" dirty="0"/>
+          </a:p>
+          <a:p>
+            <a:r>
+              <a:rPr lang="en-US" altLang="ko-KR" dirty="0"/>
+              <a:t>1.using COM  (Add a reference  "Microsoft Script Control")</a:t>
+            </a:r>
+          </a:p>
+          <a:p>
+            <a:endParaRPr lang="ko-KR" altLang="en-US" dirty="0"/>
+          </a:p>
+          <a:p>
+            <a:r>
+              <a:rPr lang="en-US" altLang="ko-KR" dirty="0" err="1"/>
+              <a:t>MSScriptControl.</a:t>
+            </a:r>
+            <a:r>
+              <a:rPr lang="en-US" altLang="ko-KR" dirty="0" err="1">
+                <a:solidFill>
+                  <a:schemeClr val="accent3">
+                    <a:lumMod val="75000"/>
+                  </a:schemeClr>
+                </a:solidFill>
+              </a:rPr>
+              <a:t>ScriptControl</a:t>
+            </a:r>
+            <a:r>
+              <a:rPr lang="en-US" altLang="ko-KR" dirty="0"/>
+              <a:t> </a:t>
+            </a:r>
+            <a:r>
+              <a:rPr lang="en-US" altLang="ko-KR" dirty="0" err="1"/>
+              <a:t>sc</a:t>
+            </a:r>
+            <a:r>
+              <a:rPr lang="en-US" altLang="ko-KR" dirty="0"/>
+              <a:t> = </a:t>
+            </a:r>
+            <a:r>
+              <a:rPr lang="en-US" altLang="ko-KR" dirty="0">
+                <a:solidFill>
+                  <a:schemeClr val="tx2">
+                    <a:lumMod val="60000"/>
+                    <a:lumOff val="40000"/>
+                  </a:schemeClr>
+                </a:solidFill>
+              </a:rPr>
+              <a:t>new</a:t>
+            </a:r>
+            <a:r>
+              <a:rPr lang="en-US" altLang="ko-KR" dirty="0">
+                <a:solidFill>
+                  <a:schemeClr val="tx2">
+                    <a:lumMod val="75000"/>
+                  </a:schemeClr>
+                </a:solidFill>
+              </a:rPr>
+              <a:t> </a:t>
+            </a:r>
+            <a:r>
+              <a:rPr lang="en-US" altLang="ko-KR" dirty="0" err="1"/>
+              <a:t>MSScriptControl.</a:t>
+            </a:r>
+            <a:r>
+              <a:rPr lang="en-US" altLang="ko-KR" dirty="0" err="1">
+                <a:solidFill>
+                  <a:schemeClr val="accent3">
+                    <a:lumMod val="75000"/>
+                  </a:schemeClr>
+                </a:solidFill>
+              </a:rPr>
+              <a:t>ScriptControl</a:t>
+            </a:r>
+            <a:r>
+              <a:rPr lang="en-US" altLang="ko-KR" dirty="0"/>
+              <a:t>();</a:t>
+            </a:r>
+          </a:p>
+          <a:p>
+            <a:r>
+              <a:rPr lang="en-US" altLang="ko-KR" dirty="0"/>
+              <a:t>            </a:t>
+            </a:r>
+            <a:r>
+              <a:rPr lang="en-US" altLang="ko-KR" dirty="0" err="1"/>
+              <a:t>sc.Language</a:t>
+            </a:r>
+            <a:r>
+              <a:rPr lang="en-US" altLang="ko-KR" dirty="0"/>
+              <a:t> = </a:t>
+            </a:r>
+            <a:r>
+              <a:rPr lang="en-US" altLang="ko-KR" dirty="0">
+                <a:solidFill>
+                  <a:schemeClr val="accent6">
+                    <a:lumMod val="75000"/>
+                  </a:schemeClr>
+                </a:solidFill>
+              </a:rPr>
+              <a:t>"</a:t>
+            </a:r>
+            <a:r>
+              <a:rPr lang="en-US" altLang="ko-KR" dirty="0" err="1">
+                <a:solidFill>
+                  <a:schemeClr val="accent6">
+                    <a:lumMod val="75000"/>
+                  </a:schemeClr>
+                </a:solidFill>
+              </a:rPr>
+              <a:t>VBscript</a:t>
+            </a:r>
+            <a:r>
+              <a:rPr lang="en-US" altLang="ko-KR" dirty="0">
+                <a:solidFill>
+                  <a:schemeClr val="accent6">
+                    <a:lumMod val="75000"/>
+                  </a:schemeClr>
+                </a:solidFill>
+              </a:rPr>
+              <a:t>";</a:t>
+            </a:r>
+          </a:p>
+          <a:p>
+            <a:r>
+              <a:rPr lang="en-US" altLang="ko-KR" dirty="0"/>
+              <a:t>            </a:t>
+            </a:r>
+            <a:r>
+              <a:rPr lang="en-US" altLang="ko-KR" dirty="0">
+                <a:solidFill>
+                  <a:schemeClr val="tx2">
+                    <a:lumMod val="60000"/>
+                    <a:lumOff val="40000"/>
+                  </a:schemeClr>
+                </a:solidFill>
+              </a:rPr>
+              <a:t>string</a:t>
+            </a:r>
+            <a:r>
+              <a:rPr lang="en-US" altLang="ko-KR" dirty="0"/>
+              <a:t> expression = </a:t>
+            </a:r>
+            <a:r>
+              <a:rPr lang="en-US" altLang="ko-KR" dirty="0">
+                <a:solidFill>
+                  <a:schemeClr val="accent6">
+                    <a:lumMod val="75000"/>
+                  </a:schemeClr>
+                </a:solidFill>
+              </a:rPr>
+              <a:t>"1+2*7";</a:t>
+            </a:r>
+          </a:p>
+          <a:p>
+            <a:r>
+              <a:rPr lang="en-US" altLang="ko-KR" dirty="0"/>
+              <a:t>            </a:t>
+            </a:r>
+            <a:r>
+              <a:rPr lang="en-US" altLang="ko-KR" dirty="0">
+                <a:solidFill>
+                  <a:schemeClr val="tx2">
+                    <a:lumMod val="60000"/>
+                    <a:lumOff val="40000"/>
+                  </a:schemeClr>
+                </a:solidFill>
+              </a:rPr>
+              <a:t>expression</a:t>
+            </a:r>
+            <a:r>
+              <a:rPr lang="en-US" altLang="ko-KR" dirty="0"/>
+              <a:t> += "+2";</a:t>
+            </a:r>
+          </a:p>
+          <a:p>
+            <a:r>
+              <a:rPr lang="en-US" altLang="ko-KR" dirty="0"/>
+              <a:t>            </a:t>
+            </a:r>
+            <a:r>
+              <a:rPr lang="en-US" altLang="ko-KR" dirty="0">
+                <a:solidFill>
+                  <a:schemeClr val="tx2">
+                    <a:lumMod val="60000"/>
+                    <a:lumOff val="40000"/>
+                  </a:schemeClr>
+                </a:solidFill>
+              </a:rPr>
+              <a:t>object</a:t>
+            </a:r>
+            <a:r>
+              <a:rPr lang="en-US" altLang="ko-KR" dirty="0"/>
+              <a:t> result = </a:t>
+            </a:r>
+            <a:r>
+              <a:rPr lang="en-US" altLang="ko-KR" dirty="0" err="1"/>
+              <a:t>sc.Eval</a:t>
+            </a:r>
+            <a:r>
+              <a:rPr lang="en-US" altLang="ko-KR" dirty="0"/>
+              <a:t>(expression);</a:t>
+            </a:r>
+          </a:p>
+          <a:p>
+            <a:r>
+              <a:rPr lang="en-US" altLang="ko-KR" dirty="0"/>
+              <a:t>            </a:t>
+            </a:r>
+            <a:r>
+              <a:rPr lang="en-US" altLang="ko-KR" dirty="0" err="1">
+                <a:solidFill>
+                  <a:srgbClr val="00B050"/>
+                </a:solidFill>
+              </a:rPr>
+              <a:t>Console</a:t>
+            </a:r>
+            <a:r>
+              <a:rPr lang="en-US" altLang="ko-KR" dirty="0" err="1"/>
+              <a:t>.WriteLine</a:t>
+            </a:r>
+            <a:r>
+              <a:rPr lang="en-US" altLang="ko-KR" dirty="0"/>
+              <a:t>(</a:t>
+            </a:r>
+            <a:r>
+              <a:rPr lang="en-US" altLang="ko-KR" dirty="0" err="1"/>
+              <a:t>result.ToString</a:t>
+            </a:r>
+            <a:r>
+              <a:rPr lang="en-US" altLang="ko-KR" dirty="0" smtClean="0"/>
+              <a:t>()); </a:t>
+            </a:r>
+            <a:r>
+              <a:rPr lang="en-US" altLang="ko-KR" dirty="0" smtClean="0">
+                <a:solidFill>
+                  <a:srgbClr val="00B050"/>
+                </a:solidFill>
+              </a:rPr>
+              <a:t>//17</a:t>
+            </a:r>
+          </a:p>
+          <a:p>
+            <a:endParaRPr lang="en-US" altLang="ko-KR" dirty="0" smtClean="0"/>
           </a:p>
         </p:txBody>
       </p:sp>
@@ -5659,7 +5969,40 @@
           <a:chExt cx="0" cy="0"/>
         </a:xfrm>
       </p:grpSpPr>
+      <p:sp>
+        <p:nvSpPr>
+          <p:cNvPr id="3" name="제목 2"/>
+          <p:cNvSpPr>
+            <a:spLocks noGrp="1"/>
+          </p:cNvSpPr>
+          <p:nvPr>
+            <p:ph type="title"/>
+          </p:nvPr>
+        </p:nvSpPr>
+        <p:spPr>
+          <a:xfrm>
+            <a:off x="467544" y="3176972"/>
+            <a:ext cx="8229600" cy="504056"/>
+          </a:xfrm>
+        </p:spPr>
+        <p:txBody>
+          <a:bodyPr/>
+          <a:lstStyle/>
+          <a:p>
+            <a:r>
+              <a:rPr lang="en-US" altLang="ko-KR" dirty="0" smtClean="0"/>
+              <a:t>Thank you guys.</a:t>
+            </a:r>
+            <a:endParaRPr lang="ko-KR" altLang="en-US" dirty="0"/>
+          </a:p>
+        </p:txBody>
+      </p:sp>
     </p:spTree>
+    <p:extLst>
+      <p:ext uri="{BB962C8B-B14F-4D97-AF65-F5344CB8AC3E}">
+        <p14:creationId xmlns:p14="http://schemas.microsoft.com/office/powerpoint/2010/main" val="115497821"/>
+      </p:ext>
+    </p:extLst>
   </p:cSld>
   <p:clrMapOvr>
     <a:masterClrMapping/>
